--- a/ppt 16-9/1104.耶稣走过来.pptx
+++ b/ppt 16-9/1104.耶稣走过来.pptx
@@ -5,7 +5,7 @@
     <p:sldMasterId id="2147483648" r:id="rId1"/>
   </p:sldMasterIdLst>
   <p:sldIdLst>
-    <p:sldId id="572" r:id="rId2"/>
+    <p:sldId id="573" r:id="rId2"/>
   </p:sldIdLst>
   <p:sldSz cx="12192000" cy="6858000"/>
   <p:notesSz cx="6858000" cy="9144000"/>
@@ -129,7 +129,7 @@
           <p:cNvPr id="2" name="标题 1">
             <a:extLst>
               <a:ext uri="{FF2B5EF4-FFF2-40B4-BE49-F238E27FC236}">
-                <a16:creationId xmlns:a16="http://schemas.microsoft.com/office/drawing/2014/main" id="{76B91B13-1BC6-674F-EB4C-6DD51159763E}"/>
+                <a16:creationId xmlns:a16="http://schemas.microsoft.com/office/drawing/2014/main" id="{AC10BC17-719B-7786-ED04-65663DF8F0F2}"/>
               </a:ext>
             </a:extLst>
           </p:cNvPr>
@@ -166,7 +166,7 @@
           <p:cNvPr id="3" name="副标题 2">
             <a:extLst>
               <a:ext uri="{FF2B5EF4-FFF2-40B4-BE49-F238E27FC236}">
-                <a16:creationId xmlns:a16="http://schemas.microsoft.com/office/drawing/2014/main" id="{FB741EB0-0AC1-9802-6CE7-BBE337D10DC3}"/>
+                <a16:creationId xmlns:a16="http://schemas.microsoft.com/office/drawing/2014/main" id="{980D1FBF-357E-E038-61A9-E904D11CFA73}"/>
               </a:ext>
             </a:extLst>
           </p:cNvPr>
@@ -236,7 +236,7 @@
           <p:cNvPr id="4" name="日期占位符 3">
             <a:extLst>
               <a:ext uri="{FF2B5EF4-FFF2-40B4-BE49-F238E27FC236}">
-                <a16:creationId xmlns:a16="http://schemas.microsoft.com/office/drawing/2014/main" id="{C7A258FF-39E1-DFDB-E1A8-D55365BC391F}"/>
+                <a16:creationId xmlns:a16="http://schemas.microsoft.com/office/drawing/2014/main" id="{C215F011-C615-E356-1379-B798E2512E24}"/>
               </a:ext>
             </a:extLst>
           </p:cNvPr>
@@ -252,7 +252,7 @@
           <a:bodyPr/>
           <a:lstStyle/>
           <a:p>
-            <a:fld id="{6FF9F37E-43F0-4407-AAA3-6EB70277161E}" type="datetimeFigureOut">
+            <a:fld id="{A8351FD5-9939-4205-995E-CB6DC05E3855}" type="datetimeFigureOut">
               <a:rPr lang="zh-CN" altLang="en-US" smtClean="0"/>
               <a:t>2024/3/10</a:t>
             </a:fld>
@@ -265,7 +265,7 @@
           <p:cNvPr id="5" name="页脚占位符 4">
             <a:extLst>
               <a:ext uri="{FF2B5EF4-FFF2-40B4-BE49-F238E27FC236}">
-                <a16:creationId xmlns:a16="http://schemas.microsoft.com/office/drawing/2014/main" id="{D757711C-C777-21D5-C24C-133D65F96C06}"/>
+                <a16:creationId xmlns:a16="http://schemas.microsoft.com/office/drawing/2014/main" id="{B0388624-4E38-F3AF-44BF-D5F439D9BD01}"/>
               </a:ext>
             </a:extLst>
           </p:cNvPr>
@@ -290,7 +290,7 @@
           <p:cNvPr id="6" name="灯片编号占位符 5">
             <a:extLst>
               <a:ext uri="{FF2B5EF4-FFF2-40B4-BE49-F238E27FC236}">
-                <a16:creationId xmlns:a16="http://schemas.microsoft.com/office/drawing/2014/main" id="{0CF0BC5C-0F3A-2E4E-C0D8-2BC3991FFD0C}"/>
+                <a16:creationId xmlns:a16="http://schemas.microsoft.com/office/drawing/2014/main" id="{57F8E847-2AB3-1BCE-71BC-7A038BF67857}"/>
               </a:ext>
             </a:extLst>
           </p:cNvPr>
@@ -306,7 +306,7 @@
           <a:bodyPr/>
           <a:lstStyle/>
           <a:p>
-            <a:fld id="{65E59675-A991-43A4-9065-568262B2805F}" type="slidenum">
+            <a:fld id="{0FDFD4E4-65B6-4883-A827-9022224CF296}" type="slidenum">
               <a:rPr lang="zh-CN" altLang="en-US" smtClean="0"/>
               <a:t>‹#›</a:t>
             </a:fld>
@@ -317,7 +317,7 @@
     </p:spTree>
     <p:extLst>
       <p:ext uri="{BB962C8B-B14F-4D97-AF65-F5344CB8AC3E}">
-        <p14:creationId xmlns:p14="http://schemas.microsoft.com/office/powerpoint/2010/main" val="222568196"/>
+        <p14:creationId xmlns:p14="http://schemas.microsoft.com/office/powerpoint/2010/main" val="3683568457"/>
       </p:ext>
     </p:extLst>
   </p:cSld>
@@ -349,7 +349,7 @@
           <p:cNvPr id="2" name="标题 1">
             <a:extLst>
               <a:ext uri="{FF2B5EF4-FFF2-40B4-BE49-F238E27FC236}">
-                <a16:creationId xmlns:a16="http://schemas.microsoft.com/office/drawing/2014/main" id="{950E73A8-73E4-FF64-6BB2-F05E38A9C387}"/>
+                <a16:creationId xmlns:a16="http://schemas.microsoft.com/office/drawing/2014/main" id="{7E80AE06-E0DC-9B4C-1935-9292D98A5890}"/>
               </a:ext>
             </a:extLst>
           </p:cNvPr>
@@ -377,7 +377,7 @@
           <p:cNvPr id="3" name="竖排文字占位符 2">
             <a:extLst>
               <a:ext uri="{FF2B5EF4-FFF2-40B4-BE49-F238E27FC236}">
-                <a16:creationId xmlns:a16="http://schemas.microsoft.com/office/drawing/2014/main" id="{47214EBB-A2F6-9A25-338F-87CF6B3C9492}"/>
+                <a16:creationId xmlns:a16="http://schemas.microsoft.com/office/drawing/2014/main" id="{5424F9C2-EFF0-56A8-7609-92E59FAF33D4}"/>
               </a:ext>
             </a:extLst>
           </p:cNvPr>
@@ -434,7 +434,7 @@
           <p:cNvPr id="4" name="日期占位符 3">
             <a:extLst>
               <a:ext uri="{FF2B5EF4-FFF2-40B4-BE49-F238E27FC236}">
-                <a16:creationId xmlns:a16="http://schemas.microsoft.com/office/drawing/2014/main" id="{3B0EBA02-C07A-0DBF-8D7A-6155EFCC5126}"/>
+                <a16:creationId xmlns:a16="http://schemas.microsoft.com/office/drawing/2014/main" id="{0CF307CD-109F-22BD-F7F8-44D035DB5398}"/>
               </a:ext>
             </a:extLst>
           </p:cNvPr>
@@ -450,7 +450,7 @@
           <a:bodyPr/>
           <a:lstStyle/>
           <a:p>
-            <a:fld id="{6FF9F37E-43F0-4407-AAA3-6EB70277161E}" type="datetimeFigureOut">
+            <a:fld id="{A8351FD5-9939-4205-995E-CB6DC05E3855}" type="datetimeFigureOut">
               <a:rPr lang="zh-CN" altLang="en-US" smtClean="0"/>
               <a:t>2024/3/10</a:t>
             </a:fld>
@@ -463,7 +463,7 @@
           <p:cNvPr id="5" name="页脚占位符 4">
             <a:extLst>
               <a:ext uri="{FF2B5EF4-FFF2-40B4-BE49-F238E27FC236}">
-                <a16:creationId xmlns:a16="http://schemas.microsoft.com/office/drawing/2014/main" id="{73F9B552-2CA9-4645-3536-74EAB7239181}"/>
+                <a16:creationId xmlns:a16="http://schemas.microsoft.com/office/drawing/2014/main" id="{6D2C5B62-EE77-9AFF-1EA4-9C2352F17C05}"/>
               </a:ext>
             </a:extLst>
           </p:cNvPr>
@@ -488,7 +488,7 @@
           <p:cNvPr id="6" name="灯片编号占位符 5">
             <a:extLst>
               <a:ext uri="{FF2B5EF4-FFF2-40B4-BE49-F238E27FC236}">
-                <a16:creationId xmlns:a16="http://schemas.microsoft.com/office/drawing/2014/main" id="{A97480F0-263C-E44B-AD6A-80AB223761EF}"/>
+                <a16:creationId xmlns:a16="http://schemas.microsoft.com/office/drawing/2014/main" id="{159FCBD7-40DE-D333-F945-075DFDB43966}"/>
               </a:ext>
             </a:extLst>
           </p:cNvPr>
@@ -504,7 +504,7 @@
           <a:bodyPr/>
           <a:lstStyle/>
           <a:p>
-            <a:fld id="{65E59675-A991-43A4-9065-568262B2805F}" type="slidenum">
+            <a:fld id="{0FDFD4E4-65B6-4883-A827-9022224CF296}" type="slidenum">
               <a:rPr lang="zh-CN" altLang="en-US" smtClean="0"/>
               <a:t>‹#›</a:t>
             </a:fld>
@@ -515,7 +515,7 @@
     </p:spTree>
     <p:extLst>
       <p:ext uri="{BB962C8B-B14F-4D97-AF65-F5344CB8AC3E}">
-        <p14:creationId xmlns:p14="http://schemas.microsoft.com/office/powerpoint/2010/main" val="2478561000"/>
+        <p14:creationId xmlns:p14="http://schemas.microsoft.com/office/powerpoint/2010/main" val="1015515243"/>
       </p:ext>
     </p:extLst>
   </p:cSld>
@@ -547,7 +547,7 @@
           <p:cNvPr id="2" name="竖排标题 1">
             <a:extLst>
               <a:ext uri="{FF2B5EF4-FFF2-40B4-BE49-F238E27FC236}">
-                <a16:creationId xmlns:a16="http://schemas.microsoft.com/office/drawing/2014/main" id="{2A224CF0-D481-1010-12E3-E04FF65EF7CA}"/>
+                <a16:creationId xmlns:a16="http://schemas.microsoft.com/office/drawing/2014/main" id="{B3E1D9CC-3497-4022-0E2A-1B4DF3DE4BEC}"/>
               </a:ext>
             </a:extLst>
           </p:cNvPr>
@@ -580,7 +580,7 @@
           <p:cNvPr id="3" name="竖排文字占位符 2">
             <a:extLst>
               <a:ext uri="{FF2B5EF4-FFF2-40B4-BE49-F238E27FC236}">
-                <a16:creationId xmlns:a16="http://schemas.microsoft.com/office/drawing/2014/main" id="{DC5EA52C-3613-A0D0-BABD-B3335D256B35}"/>
+                <a16:creationId xmlns:a16="http://schemas.microsoft.com/office/drawing/2014/main" id="{2669A35B-A6BF-53DC-1E24-43A2B236E627}"/>
               </a:ext>
             </a:extLst>
           </p:cNvPr>
@@ -642,7 +642,7 @@
           <p:cNvPr id="4" name="日期占位符 3">
             <a:extLst>
               <a:ext uri="{FF2B5EF4-FFF2-40B4-BE49-F238E27FC236}">
-                <a16:creationId xmlns:a16="http://schemas.microsoft.com/office/drawing/2014/main" id="{F1F19962-6C1D-989C-8D45-E3F9BD7092EF}"/>
+                <a16:creationId xmlns:a16="http://schemas.microsoft.com/office/drawing/2014/main" id="{62433D56-7202-CE4F-E437-F7EBD112F66B}"/>
               </a:ext>
             </a:extLst>
           </p:cNvPr>
@@ -658,7 +658,7 @@
           <a:bodyPr/>
           <a:lstStyle/>
           <a:p>
-            <a:fld id="{6FF9F37E-43F0-4407-AAA3-6EB70277161E}" type="datetimeFigureOut">
+            <a:fld id="{A8351FD5-9939-4205-995E-CB6DC05E3855}" type="datetimeFigureOut">
               <a:rPr lang="zh-CN" altLang="en-US" smtClean="0"/>
               <a:t>2024/3/10</a:t>
             </a:fld>
@@ -671,7 +671,7 @@
           <p:cNvPr id="5" name="页脚占位符 4">
             <a:extLst>
               <a:ext uri="{FF2B5EF4-FFF2-40B4-BE49-F238E27FC236}">
-                <a16:creationId xmlns:a16="http://schemas.microsoft.com/office/drawing/2014/main" id="{5AD3C1FC-649F-70E4-F529-A580ED1D385E}"/>
+                <a16:creationId xmlns:a16="http://schemas.microsoft.com/office/drawing/2014/main" id="{74A0BE7B-54FE-D75A-EA37-DEC435B7120B}"/>
               </a:ext>
             </a:extLst>
           </p:cNvPr>
@@ -696,7 +696,7 @@
           <p:cNvPr id="6" name="灯片编号占位符 5">
             <a:extLst>
               <a:ext uri="{FF2B5EF4-FFF2-40B4-BE49-F238E27FC236}">
-                <a16:creationId xmlns:a16="http://schemas.microsoft.com/office/drawing/2014/main" id="{45840861-089D-B6A0-6812-5AC2A54B771D}"/>
+                <a16:creationId xmlns:a16="http://schemas.microsoft.com/office/drawing/2014/main" id="{D4F59049-F44F-B93D-7D59-BE0B28D1B781}"/>
               </a:ext>
             </a:extLst>
           </p:cNvPr>
@@ -712,7 +712,7 @@
           <a:bodyPr/>
           <a:lstStyle/>
           <a:p>
-            <a:fld id="{65E59675-A991-43A4-9065-568262B2805F}" type="slidenum">
+            <a:fld id="{0FDFD4E4-65B6-4883-A827-9022224CF296}" type="slidenum">
               <a:rPr lang="zh-CN" altLang="en-US" smtClean="0"/>
               <a:t>‹#›</a:t>
             </a:fld>
@@ -723,7 +723,7 @@
     </p:spTree>
     <p:extLst>
       <p:ext uri="{BB962C8B-B14F-4D97-AF65-F5344CB8AC3E}">
-        <p14:creationId xmlns:p14="http://schemas.microsoft.com/office/powerpoint/2010/main" val="1148859223"/>
+        <p14:creationId xmlns:p14="http://schemas.microsoft.com/office/powerpoint/2010/main" val="3485001373"/>
       </p:ext>
     </p:extLst>
   </p:cSld>
@@ -755,7 +755,7 @@
           <p:cNvPr id="2" name="标题 1">
             <a:extLst>
               <a:ext uri="{FF2B5EF4-FFF2-40B4-BE49-F238E27FC236}">
-                <a16:creationId xmlns:a16="http://schemas.microsoft.com/office/drawing/2014/main" id="{B46BD466-40BD-A517-EEC6-8EDF721457B0}"/>
+                <a16:creationId xmlns:a16="http://schemas.microsoft.com/office/drawing/2014/main" id="{2187E559-3E38-D2EB-DAC2-DB06E64E6C94}"/>
               </a:ext>
             </a:extLst>
           </p:cNvPr>
@@ -783,7 +783,7 @@
           <p:cNvPr id="3" name="内容占位符 2">
             <a:extLst>
               <a:ext uri="{FF2B5EF4-FFF2-40B4-BE49-F238E27FC236}">
-                <a16:creationId xmlns:a16="http://schemas.microsoft.com/office/drawing/2014/main" id="{6E0577D2-E83C-BB0C-02DD-3BD2C94BFB0A}"/>
+                <a16:creationId xmlns:a16="http://schemas.microsoft.com/office/drawing/2014/main" id="{3083A757-9E48-0175-C871-12552126C0CE}"/>
               </a:ext>
             </a:extLst>
           </p:cNvPr>
@@ -840,7 +840,7 @@
           <p:cNvPr id="4" name="日期占位符 3">
             <a:extLst>
               <a:ext uri="{FF2B5EF4-FFF2-40B4-BE49-F238E27FC236}">
-                <a16:creationId xmlns:a16="http://schemas.microsoft.com/office/drawing/2014/main" id="{7A4DD0D1-2422-9F58-136A-5233B73CE993}"/>
+                <a16:creationId xmlns:a16="http://schemas.microsoft.com/office/drawing/2014/main" id="{D1DA2922-C8A0-A577-DC31-0920AA55510F}"/>
               </a:ext>
             </a:extLst>
           </p:cNvPr>
@@ -856,7 +856,7 @@
           <a:bodyPr/>
           <a:lstStyle/>
           <a:p>
-            <a:fld id="{6FF9F37E-43F0-4407-AAA3-6EB70277161E}" type="datetimeFigureOut">
+            <a:fld id="{A8351FD5-9939-4205-995E-CB6DC05E3855}" type="datetimeFigureOut">
               <a:rPr lang="zh-CN" altLang="en-US" smtClean="0"/>
               <a:t>2024/3/10</a:t>
             </a:fld>
@@ -869,7 +869,7 @@
           <p:cNvPr id="5" name="页脚占位符 4">
             <a:extLst>
               <a:ext uri="{FF2B5EF4-FFF2-40B4-BE49-F238E27FC236}">
-                <a16:creationId xmlns:a16="http://schemas.microsoft.com/office/drawing/2014/main" id="{9610A21D-405F-11AC-CDE8-4A3795024706}"/>
+                <a16:creationId xmlns:a16="http://schemas.microsoft.com/office/drawing/2014/main" id="{918A5BB6-BB8E-A736-E974-40775E9939E8}"/>
               </a:ext>
             </a:extLst>
           </p:cNvPr>
@@ -894,7 +894,7 @@
           <p:cNvPr id="6" name="灯片编号占位符 5">
             <a:extLst>
               <a:ext uri="{FF2B5EF4-FFF2-40B4-BE49-F238E27FC236}">
-                <a16:creationId xmlns:a16="http://schemas.microsoft.com/office/drawing/2014/main" id="{F8366C32-58C1-A2A8-B15C-AB8F3B38FA0F}"/>
+                <a16:creationId xmlns:a16="http://schemas.microsoft.com/office/drawing/2014/main" id="{612B6835-3BBD-BAFE-335A-0D6D6387C5E1}"/>
               </a:ext>
             </a:extLst>
           </p:cNvPr>
@@ -910,7 +910,7 @@
           <a:bodyPr/>
           <a:lstStyle/>
           <a:p>
-            <a:fld id="{65E59675-A991-43A4-9065-568262B2805F}" type="slidenum">
+            <a:fld id="{0FDFD4E4-65B6-4883-A827-9022224CF296}" type="slidenum">
               <a:rPr lang="zh-CN" altLang="en-US" smtClean="0"/>
               <a:t>‹#›</a:t>
             </a:fld>
@@ -921,7 +921,7 @@
     </p:spTree>
     <p:extLst>
       <p:ext uri="{BB962C8B-B14F-4D97-AF65-F5344CB8AC3E}">
-        <p14:creationId xmlns:p14="http://schemas.microsoft.com/office/powerpoint/2010/main" val="4109177796"/>
+        <p14:creationId xmlns:p14="http://schemas.microsoft.com/office/powerpoint/2010/main" val="2971540476"/>
       </p:ext>
     </p:extLst>
   </p:cSld>
@@ -953,7 +953,7 @@
           <p:cNvPr id="2" name="标题 1">
             <a:extLst>
               <a:ext uri="{FF2B5EF4-FFF2-40B4-BE49-F238E27FC236}">
-                <a16:creationId xmlns:a16="http://schemas.microsoft.com/office/drawing/2014/main" id="{387498D9-8E63-40DD-AEBC-BDE6613C58AE}"/>
+                <a16:creationId xmlns:a16="http://schemas.microsoft.com/office/drawing/2014/main" id="{8E759E15-606C-0238-B097-309145412C7E}"/>
               </a:ext>
             </a:extLst>
           </p:cNvPr>
@@ -990,7 +990,7 @@
           <p:cNvPr id="3" name="文本占位符 2">
             <a:extLst>
               <a:ext uri="{FF2B5EF4-FFF2-40B4-BE49-F238E27FC236}">
-                <a16:creationId xmlns:a16="http://schemas.microsoft.com/office/drawing/2014/main" id="{25EED96B-D40A-252F-D45F-BA5A2F40BCDD}"/>
+                <a16:creationId xmlns:a16="http://schemas.microsoft.com/office/drawing/2014/main" id="{81EE9528-775D-A51F-26DD-C799A40EC70C}"/>
               </a:ext>
             </a:extLst>
           </p:cNvPr>
@@ -1115,7 +1115,7 @@
           <p:cNvPr id="4" name="日期占位符 3">
             <a:extLst>
               <a:ext uri="{FF2B5EF4-FFF2-40B4-BE49-F238E27FC236}">
-                <a16:creationId xmlns:a16="http://schemas.microsoft.com/office/drawing/2014/main" id="{2E1A2E1B-0178-4513-7EEF-893DD854EFA8}"/>
+                <a16:creationId xmlns:a16="http://schemas.microsoft.com/office/drawing/2014/main" id="{DB5704F6-8DB0-E7E7-27C4-415B9006DA50}"/>
               </a:ext>
             </a:extLst>
           </p:cNvPr>
@@ -1131,7 +1131,7 @@
           <a:bodyPr/>
           <a:lstStyle/>
           <a:p>
-            <a:fld id="{6FF9F37E-43F0-4407-AAA3-6EB70277161E}" type="datetimeFigureOut">
+            <a:fld id="{A8351FD5-9939-4205-995E-CB6DC05E3855}" type="datetimeFigureOut">
               <a:rPr lang="zh-CN" altLang="en-US" smtClean="0"/>
               <a:t>2024/3/10</a:t>
             </a:fld>
@@ -1144,7 +1144,7 @@
           <p:cNvPr id="5" name="页脚占位符 4">
             <a:extLst>
               <a:ext uri="{FF2B5EF4-FFF2-40B4-BE49-F238E27FC236}">
-                <a16:creationId xmlns:a16="http://schemas.microsoft.com/office/drawing/2014/main" id="{21AB06EF-25E6-F365-406C-E06B64103F44}"/>
+                <a16:creationId xmlns:a16="http://schemas.microsoft.com/office/drawing/2014/main" id="{A803E7DE-0728-2175-F4B2-B2A32ACD4825}"/>
               </a:ext>
             </a:extLst>
           </p:cNvPr>
@@ -1169,7 +1169,7 @@
           <p:cNvPr id="6" name="灯片编号占位符 5">
             <a:extLst>
               <a:ext uri="{FF2B5EF4-FFF2-40B4-BE49-F238E27FC236}">
-                <a16:creationId xmlns:a16="http://schemas.microsoft.com/office/drawing/2014/main" id="{EC5A21A4-8ECB-8A65-B3E8-7081523BC9CB}"/>
+                <a16:creationId xmlns:a16="http://schemas.microsoft.com/office/drawing/2014/main" id="{8329DBBF-017F-36C7-A310-62364E21547F}"/>
               </a:ext>
             </a:extLst>
           </p:cNvPr>
@@ -1185,7 +1185,7 @@
           <a:bodyPr/>
           <a:lstStyle/>
           <a:p>
-            <a:fld id="{65E59675-A991-43A4-9065-568262B2805F}" type="slidenum">
+            <a:fld id="{0FDFD4E4-65B6-4883-A827-9022224CF296}" type="slidenum">
               <a:rPr lang="zh-CN" altLang="en-US" smtClean="0"/>
               <a:t>‹#›</a:t>
             </a:fld>
@@ -1196,7 +1196,7 @@
     </p:spTree>
     <p:extLst>
       <p:ext uri="{BB962C8B-B14F-4D97-AF65-F5344CB8AC3E}">
-        <p14:creationId xmlns:p14="http://schemas.microsoft.com/office/powerpoint/2010/main" val="2228908519"/>
+        <p14:creationId xmlns:p14="http://schemas.microsoft.com/office/powerpoint/2010/main" val="3006549895"/>
       </p:ext>
     </p:extLst>
   </p:cSld>
@@ -1228,7 +1228,7 @@
           <p:cNvPr id="2" name="标题 1">
             <a:extLst>
               <a:ext uri="{FF2B5EF4-FFF2-40B4-BE49-F238E27FC236}">
-                <a16:creationId xmlns:a16="http://schemas.microsoft.com/office/drawing/2014/main" id="{48244C53-A8CE-D168-40DA-E69730D0F942}"/>
+                <a16:creationId xmlns:a16="http://schemas.microsoft.com/office/drawing/2014/main" id="{41493E64-FD3D-7BAF-741C-BB4EB906D302}"/>
               </a:ext>
             </a:extLst>
           </p:cNvPr>
@@ -1256,7 +1256,7 @@
           <p:cNvPr id="3" name="内容占位符 2">
             <a:extLst>
               <a:ext uri="{FF2B5EF4-FFF2-40B4-BE49-F238E27FC236}">
-                <a16:creationId xmlns:a16="http://schemas.microsoft.com/office/drawing/2014/main" id="{78B4F859-B298-EA59-AC7D-FAE25BFF1F87}"/>
+                <a16:creationId xmlns:a16="http://schemas.microsoft.com/office/drawing/2014/main" id="{E8EE4247-C8FD-C225-53EE-3A3D9C44F9A4}"/>
               </a:ext>
             </a:extLst>
           </p:cNvPr>
@@ -1318,7 +1318,7 @@
           <p:cNvPr id="4" name="内容占位符 3">
             <a:extLst>
               <a:ext uri="{FF2B5EF4-FFF2-40B4-BE49-F238E27FC236}">
-                <a16:creationId xmlns:a16="http://schemas.microsoft.com/office/drawing/2014/main" id="{50310A29-8F3F-D635-4390-5FD610832B51}"/>
+                <a16:creationId xmlns:a16="http://schemas.microsoft.com/office/drawing/2014/main" id="{6BFE09C6-D61D-BAF7-5D48-2DE7154D8051}"/>
               </a:ext>
             </a:extLst>
           </p:cNvPr>
@@ -1380,7 +1380,7 @@
           <p:cNvPr id="5" name="日期占位符 4">
             <a:extLst>
               <a:ext uri="{FF2B5EF4-FFF2-40B4-BE49-F238E27FC236}">
-                <a16:creationId xmlns:a16="http://schemas.microsoft.com/office/drawing/2014/main" id="{7E2C8137-DA26-5E82-6A61-5FC05302CA1C}"/>
+                <a16:creationId xmlns:a16="http://schemas.microsoft.com/office/drawing/2014/main" id="{271A6C53-87D5-2038-E5B4-98B89D5987CC}"/>
               </a:ext>
             </a:extLst>
           </p:cNvPr>
@@ -1396,7 +1396,7 @@
           <a:bodyPr/>
           <a:lstStyle/>
           <a:p>
-            <a:fld id="{6FF9F37E-43F0-4407-AAA3-6EB70277161E}" type="datetimeFigureOut">
+            <a:fld id="{A8351FD5-9939-4205-995E-CB6DC05E3855}" type="datetimeFigureOut">
               <a:rPr lang="zh-CN" altLang="en-US" smtClean="0"/>
               <a:t>2024/3/10</a:t>
             </a:fld>
@@ -1409,7 +1409,7 @@
           <p:cNvPr id="6" name="页脚占位符 5">
             <a:extLst>
               <a:ext uri="{FF2B5EF4-FFF2-40B4-BE49-F238E27FC236}">
-                <a16:creationId xmlns:a16="http://schemas.microsoft.com/office/drawing/2014/main" id="{C53D1DB9-430C-C545-B2DC-2AD9FF02CF3A}"/>
+                <a16:creationId xmlns:a16="http://schemas.microsoft.com/office/drawing/2014/main" id="{31F0D731-1631-66BA-F0D0-2C524F3E9BB8}"/>
               </a:ext>
             </a:extLst>
           </p:cNvPr>
@@ -1434,7 +1434,7 @@
           <p:cNvPr id="7" name="灯片编号占位符 6">
             <a:extLst>
               <a:ext uri="{FF2B5EF4-FFF2-40B4-BE49-F238E27FC236}">
-                <a16:creationId xmlns:a16="http://schemas.microsoft.com/office/drawing/2014/main" id="{7A8C1B7F-762D-628B-EE06-27162E9872D3}"/>
+                <a16:creationId xmlns:a16="http://schemas.microsoft.com/office/drawing/2014/main" id="{7834F3D5-3473-F49F-1D6B-2E3ED6D76C1B}"/>
               </a:ext>
             </a:extLst>
           </p:cNvPr>
@@ -1450,7 +1450,7 @@
           <a:bodyPr/>
           <a:lstStyle/>
           <a:p>
-            <a:fld id="{65E59675-A991-43A4-9065-568262B2805F}" type="slidenum">
+            <a:fld id="{0FDFD4E4-65B6-4883-A827-9022224CF296}" type="slidenum">
               <a:rPr lang="zh-CN" altLang="en-US" smtClean="0"/>
               <a:t>‹#›</a:t>
             </a:fld>
@@ -1461,7 +1461,7 @@
     </p:spTree>
     <p:extLst>
       <p:ext uri="{BB962C8B-B14F-4D97-AF65-F5344CB8AC3E}">
-        <p14:creationId xmlns:p14="http://schemas.microsoft.com/office/powerpoint/2010/main" val="3735379479"/>
+        <p14:creationId xmlns:p14="http://schemas.microsoft.com/office/powerpoint/2010/main" val="588801657"/>
       </p:ext>
     </p:extLst>
   </p:cSld>
@@ -1493,7 +1493,7 @@
           <p:cNvPr id="2" name="标题 1">
             <a:extLst>
               <a:ext uri="{FF2B5EF4-FFF2-40B4-BE49-F238E27FC236}">
-                <a16:creationId xmlns:a16="http://schemas.microsoft.com/office/drawing/2014/main" id="{1E912A60-E04F-886E-9C39-21057C0FB20E}"/>
+                <a16:creationId xmlns:a16="http://schemas.microsoft.com/office/drawing/2014/main" id="{A62EE949-A943-8C25-D24B-E959FBFD6336}"/>
               </a:ext>
             </a:extLst>
           </p:cNvPr>
@@ -1526,7 +1526,7 @@
           <p:cNvPr id="3" name="文本占位符 2">
             <a:extLst>
               <a:ext uri="{FF2B5EF4-FFF2-40B4-BE49-F238E27FC236}">
-                <a16:creationId xmlns:a16="http://schemas.microsoft.com/office/drawing/2014/main" id="{D7E792B6-F7A1-0FA1-C0A4-61C8CE31DF30}"/>
+                <a16:creationId xmlns:a16="http://schemas.microsoft.com/office/drawing/2014/main" id="{8556432B-5CDE-6493-1CC4-1723CB9C5480}"/>
               </a:ext>
             </a:extLst>
           </p:cNvPr>
@@ -1597,7 +1597,7 @@
           <p:cNvPr id="4" name="内容占位符 3">
             <a:extLst>
               <a:ext uri="{FF2B5EF4-FFF2-40B4-BE49-F238E27FC236}">
-                <a16:creationId xmlns:a16="http://schemas.microsoft.com/office/drawing/2014/main" id="{3E3998F9-9F7E-34E3-3DA7-B7CE9F486A84}"/>
+                <a16:creationId xmlns:a16="http://schemas.microsoft.com/office/drawing/2014/main" id="{1C70D172-33E0-B4CE-35DA-AC309D76E328}"/>
               </a:ext>
             </a:extLst>
           </p:cNvPr>
@@ -1659,7 +1659,7 @@
           <p:cNvPr id="5" name="文本占位符 4">
             <a:extLst>
               <a:ext uri="{FF2B5EF4-FFF2-40B4-BE49-F238E27FC236}">
-                <a16:creationId xmlns:a16="http://schemas.microsoft.com/office/drawing/2014/main" id="{811B33C6-2B09-31A1-5F8A-CA897824E20E}"/>
+                <a16:creationId xmlns:a16="http://schemas.microsoft.com/office/drawing/2014/main" id="{497C0B81-EA32-3790-6AFD-190C6DE006EE}"/>
               </a:ext>
             </a:extLst>
           </p:cNvPr>
@@ -1730,7 +1730,7 @@
           <p:cNvPr id="6" name="内容占位符 5">
             <a:extLst>
               <a:ext uri="{FF2B5EF4-FFF2-40B4-BE49-F238E27FC236}">
-                <a16:creationId xmlns:a16="http://schemas.microsoft.com/office/drawing/2014/main" id="{ACEA6587-FC12-3D5D-A3C2-B1ED5E446330}"/>
+                <a16:creationId xmlns:a16="http://schemas.microsoft.com/office/drawing/2014/main" id="{8FC4C0C9-6D6D-3779-04DD-33E67AE82CA8}"/>
               </a:ext>
             </a:extLst>
           </p:cNvPr>
@@ -1792,7 +1792,7 @@
           <p:cNvPr id="7" name="日期占位符 6">
             <a:extLst>
               <a:ext uri="{FF2B5EF4-FFF2-40B4-BE49-F238E27FC236}">
-                <a16:creationId xmlns:a16="http://schemas.microsoft.com/office/drawing/2014/main" id="{D381ED31-6F06-1782-B69A-E6E52E2100A9}"/>
+                <a16:creationId xmlns:a16="http://schemas.microsoft.com/office/drawing/2014/main" id="{782932F2-CB7B-0036-ADA4-A4EE39BF63FD}"/>
               </a:ext>
             </a:extLst>
           </p:cNvPr>
@@ -1808,7 +1808,7 @@
           <a:bodyPr/>
           <a:lstStyle/>
           <a:p>
-            <a:fld id="{6FF9F37E-43F0-4407-AAA3-6EB70277161E}" type="datetimeFigureOut">
+            <a:fld id="{A8351FD5-9939-4205-995E-CB6DC05E3855}" type="datetimeFigureOut">
               <a:rPr lang="zh-CN" altLang="en-US" smtClean="0"/>
               <a:t>2024/3/10</a:t>
             </a:fld>
@@ -1821,7 +1821,7 @@
           <p:cNvPr id="8" name="页脚占位符 7">
             <a:extLst>
               <a:ext uri="{FF2B5EF4-FFF2-40B4-BE49-F238E27FC236}">
-                <a16:creationId xmlns:a16="http://schemas.microsoft.com/office/drawing/2014/main" id="{9EBAB0AB-A92B-AE48-3648-783191F0B697}"/>
+                <a16:creationId xmlns:a16="http://schemas.microsoft.com/office/drawing/2014/main" id="{3D37088A-1162-94B8-7AFC-DA07BE2A48A1}"/>
               </a:ext>
             </a:extLst>
           </p:cNvPr>
@@ -1846,7 +1846,7 @@
           <p:cNvPr id="9" name="灯片编号占位符 8">
             <a:extLst>
               <a:ext uri="{FF2B5EF4-FFF2-40B4-BE49-F238E27FC236}">
-                <a16:creationId xmlns:a16="http://schemas.microsoft.com/office/drawing/2014/main" id="{376E4BFD-832E-1170-12C4-524FB1D4E019}"/>
+                <a16:creationId xmlns:a16="http://schemas.microsoft.com/office/drawing/2014/main" id="{47D4FA98-3075-34ED-A53D-330B843ED448}"/>
               </a:ext>
             </a:extLst>
           </p:cNvPr>
@@ -1862,7 +1862,7 @@
           <a:bodyPr/>
           <a:lstStyle/>
           <a:p>
-            <a:fld id="{65E59675-A991-43A4-9065-568262B2805F}" type="slidenum">
+            <a:fld id="{0FDFD4E4-65B6-4883-A827-9022224CF296}" type="slidenum">
               <a:rPr lang="zh-CN" altLang="en-US" smtClean="0"/>
               <a:t>‹#›</a:t>
             </a:fld>
@@ -1873,7 +1873,7 @@
     </p:spTree>
     <p:extLst>
       <p:ext uri="{BB962C8B-B14F-4D97-AF65-F5344CB8AC3E}">
-        <p14:creationId xmlns:p14="http://schemas.microsoft.com/office/powerpoint/2010/main" val="3955778188"/>
+        <p14:creationId xmlns:p14="http://schemas.microsoft.com/office/powerpoint/2010/main" val="2505505341"/>
       </p:ext>
     </p:extLst>
   </p:cSld>
@@ -1905,7 +1905,7 @@
           <p:cNvPr id="2" name="标题 1">
             <a:extLst>
               <a:ext uri="{FF2B5EF4-FFF2-40B4-BE49-F238E27FC236}">
-                <a16:creationId xmlns:a16="http://schemas.microsoft.com/office/drawing/2014/main" id="{8153CBF0-9B44-C9D0-CDAA-144CBC7A1F03}"/>
+                <a16:creationId xmlns:a16="http://schemas.microsoft.com/office/drawing/2014/main" id="{01F1E02A-CCDA-CD8F-1483-1354D2E5E52E}"/>
               </a:ext>
             </a:extLst>
           </p:cNvPr>
@@ -1933,7 +1933,7 @@
           <p:cNvPr id="3" name="日期占位符 2">
             <a:extLst>
               <a:ext uri="{FF2B5EF4-FFF2-40B4-BE49-F238E27FC236}">
-                <a16:creationId xmlns:a16="http://schemas.microsoft.com/office/drawing/2014/main" id="{DE704BDA-18D4-DB67-028D-F97B3BBB8808}"/>
+                <a16:creationId xmlns:a16="http://schemas.microsoft.com/office/drawing/2014/main" id="{884F8C80-EB8A-CC78-88AB-5DF04D521469}"/>
               </a:ext>
             </a:extLst>
           </p:cNvPr>
@@ -1949,7 +1949,7 @@
           <a:bodyPr/>
           <a:lstStyle/>
           <a:p>
-            <a:fld id="{6FF9F37E-43F0-4407-AAA3-6EB70277161E}" type="datetimeFigureOut">
+            <a:fld id="{A8351FD5-9939-4205-995E-CB6DC05E3855}" type="datetimeFigureOut">
               <a:rPr lang="zh-CN" altLang="en-US" smtClean="0"/>
               <a:t>2024/3/10</a:t>
             </a:fld>
@@ -1962,7 +1962,7 @@
           <p:cNvPr id="4" name="页脚占位符 3">
             <a:extLst>
               <a:ext uri="{FF2B5EF4-FFF2-40B4-BE49-F238E27FC236}">
-                <a16:creationId xmlns:a16="http://schemas.microsoft.com/office/drawing/2014/main" id="{5CAFBC66-2447-A85B-0141-811700A00572}"/>
+                <a16:creationId xmlns:a16="http://schemas.microsoft.com/office/drawing/2014/main" id="{E6033BD4-639F-F15E-2D83-B18A8DDA7649}"/>
               </a:ext>
             </a:extLst>
           </p:cNvPr>
@@ -1987,7 +1987,7 @@
           <p:cNvPr id="5" name="灯片编号占位符 4">
             <a:extLst>
               <a:ext uri="{FF2B5EF4-FFF2-40B4-BE49-F238E27FC236}">
-                <a16:creationId xmlns:a16="http://schemas.microsoft.com/office/drawing/2014/main" id="{013F138F-6942-DF84-5C98-03BF1ECF04C9}"/>
+                <a16:creationId xmlns:a16="http://schemas.microsoft.com/office/drawing/2014/main" id="{C6EBBC1D-C354-C3D6-E6BE-4EF0433906EE}"/>
               </a:ext>
             </a:extLst>
           </p:cNvPr>
@@ -2003,7 +2003,7 @@
           <a:bodyPr/>
           <a:lstStyle/>
           <a:p>
-            <a:fld id="{65E59675-A991-43A4-9065-568262B2805F}" type="slidenum">
+            <a:fld id="{0FDFD4E4-65B6-4883-A827-9022224CF296}" type="slidenum">
               <a:rPr lang="zh-CN" altLang="en-US" smtClean="0"/>
               <a:t>‹#›</a:t>
             </a:fld>
@@ -2014,7 +2014,7 @@
     </p:spTree>
     <p:extLst>
       <p:ext uri="{BB962C8B-B14F-4D97-AF65-F5344CB8AC3E}">
-        <p14:creationId xmlns:p14="http://schemas.microsoft.com/office/powerpoint/2010/main" val="2802099248"/>
+        <p14:creationId xmlns:p14="http://schemas.microsoft.com/office/powerpoint/2010/main" val="262372822"/>
       </p:ext>
     </p:extLst>
   </p:cSld>
@@ -2046,7 +2046,7 @@
           <p:cNvPr id="2" name="日期占位符 1">
             <a:extLst>
               <a:ext uri="{FF2B5EF4-FFF2-40B4-BE49-F238E27FC236}">
-                <a16:creationId xmlns:a16="http://schemas.microsoft.com/office/drawing/2014/main" id="{EF166207-27DB-AE08-2ACE-73D2BD9BAE3C}"/>
+                <a16:creationId xmlns:a16="http://schemas.microsoft.com/office/drawing/2014/main" id="{802DDBBC-E526-ABF5-2E72-B59D4BA39440}"/>
               </a:ext>
             </a:extLst>
           </p:cNvPr>
@@ -2062,7 +2062,7 @@
           <a:bodyPr/>
           <a:lstStyle/>
           <a:p>
-            <a:fld id="{6FF9F37E-43F0-4407-AAA3-6EB70277161E}" type="datetimeFigureOut">
+            <a:fld id="{A8351FD5-9939-4205-995E-CB6DC05E3855}" type="datetimeFigureOut">
               <a:rPr lang="zh-CN" altLang="en-US" smtClean="0"/>
               <a:t>2024/3/10</a:t>
             </a:fld>
@@ -2075,7 +2075,7 @@
           <p:cNvPr id="3" name="页脚占位符 2">
             <a:extLst>
               <a:ext uri="{FF2B5EF4-FFF2-40B4-BE49-F238E27FC236}">
-                <a16:creationId xmlns:a16="http://schemas.microsoft.com/office/drawing/2014/main" id="{E0DE6691-AE27-714E-5710-35A20BE99807}"/>
+                <a16:creationId xmlns:a16="http://schemas.microsoft.com/office/drawing/2014/main" id="{D5A44BD6-1C1A-534B-43DE-AE97D2CC1DA4}"/>
               </a:ext>
             </a:extLst>
           </p:cNvPr>
@@ -2100,7 +2100,7 @@
           <p:cNvPr id="4" name="灯片编号占位符 3">
             <a:extLst>
               <a:ext uri="{FF2B5EF4-FFF2-40B4-BE49-F238E27FC236}">
-                <a16:creationId xmlns:a16="http://schemas.microsoft.com/office/drawing/2014/main" id="{AA7EB55F-2834-A20C-B48F-952B0558951C}"/>
+                <a16:creationId xmlns:a16="http://schemas.microsoft.com/office/drawing/2014/main" id="{A0179F12-1867-3D14-19F9-34D11B830D81}"/>
               </a:ext>
             </a:extLst>
           </p:cNvPr>
@@ -2116,7 +2116,7 @@
           <a:bodyPr/>
           <a:lstStyle/>
           <a:p>
-            <a:fld id="{65E59675-A991-43A4-9065-568262B2805F}" type="slidenum">
+            <a:fld id="{0FDFD4E4-65B6-4883-A827-9022224CF296}" type="slidenum">
               <a:rPr lang="zh-CN" altLang="en-US" smtClean="0"/>
               <a:t>‹#›</a:t>
             </a:fld>
@@ -2127,7 +2127,7 @@
     </p:spTree>
     <p:extLst>
       <p:ext uri="{BB962C8B-B14F-4D97-AF65-F5344CB8AC3E}">
-        <p14:creationId xmlns:p14="http://schemas.microsoft.com/office/powerpoint/2010/main" val="2430748350"/>
+        <p14:creationId xmlns:p14="http://schemas.microsoft.com/office/powerpoint/2010/main" val="2170671671"/>
       </p:ext>
     </p:extLst>
   </p:cSld>
@@ -2159,7 +2159,7 @@
           <p:cNvPr id="2" name="标题 1">
             <a:extLst>
               <a:ext uri="{FF2B5EF4-FFF2-40B4-BE49-F238E27FC236}">
-                <a16:creationId xmlns:a16="http://schemas.microsoft.com/office/drawing/2014/main" id="{937B0FE1-EBC5-19EC-C2AA-50F483AB8ED2}"/>
+                <a16:creationId xmlns:a16="http://schemas.microsoft.com/office/drawing/2014/main" id="{406D9FFF-1B81-C426-0A5B-9EBBC2EE0FC9}"/>
               </a:ext>
             </a:extLst>
           </p:cNvPr>
@@ -2196,7 +2196,7 @@
           <p:cNvPr id="3" name="内容占位符 2">
             <a:extLst>
               <a:ext uri="{FF2B5EF4-FFF2-40B4-BE49-F238E27FC236}">
-                <a16:creationId xmlns:a16="http://schemas.microsoft.com/office/drawing/2014/main" id="{0A4E23D3-FCFF-4043-401C-CB9F735C9458}"/>
+                <a16:creationId xmlns:a16="http://schemas.microsoft.com/office/drawing/2014/main" id="{01EB0313-79DC-F94B-1776-996EEFE065C4}"/>
               </a:ext>
             </a:extLst>
           </p:cNvPr>
@@ -2286,7 +2286,7 @@
           <p:cNvPr id="4" name="文本占位符 3">
             <a:extLst>
               <a:ext uri="{FF2B5EF4-FFF2-40B4-BE49-F238E27FC236}">
-                <a16:creationId xmlns:a16="http://schemas.microsoft.com/office/drawing/2014/main" id="{7CFB85C9-91DC-4777-E8E5-58480C784EAD}"/>
+                <a16:creationId xmlns:a16="http://schemas.microsoft.com/office/drawing/2014/main" id="{90CC8E22-CDBB-A6BB-E79E-00C27679A499}"/>
               </a:ext>
             </a:extLst>
           </p:cNvPr>
@@ -2357,7 +2357,7 @@
           <p:cNvPr id="5" name="日期占位符 4">
             <a:extLst>
               <a:ext uri="{FF2B5EF4-FFF2-40B4-BE49-F238E27FC236}">
-                <a16:creationId xmlns:a16="http://schemas.microsoft.com/office/drawing/2014/main" id="{857F6270-C283-7C05-8D52-25EE7C3E0DE4}"/>
+                <a16:creationId xmlns:a16="http://schemas.microsoft.com/office/drawing/2014/main" id="{4FDE8B26-2ED6-3605-616D-32D78D413AF5}"/>
               </a:ext>
             </a:extLst>
           </p:cNvPr>
@@ -2373,7 +2373,7 @@
           <a:bodyPr/>
           <a:lstStyle/>
           <a:p>
-            <a:fld id="{6FF9F37E-43F0-4407-AAA3-6EB70277161E}" type="datetimeFigureOut">
+            <a:fld id="{A8351FD5-9939-4205-995E-CB6DC05E3855}" type="datetimeFigureOut">
               <a:rPr lang="zh-CN" altLang="en-US" smtClean="0"/>
               <a:t>2024/3/10</a:t>
             </a:fld>
@@ -2386,7 +2386,7 @@
           <p:cNvPr id="6" name="页脚占位符 5">
             <a:extLst>
               <a:ext uri="{FF2B5EF4-FFF2-40B4-BE49-F238E27FC236}">
-                <a16:creationId xmlns:a16="http://schemas.microsoft.com/office/drawing/2014/main" id="{61C663C6-24F4-151B-E5F8-AA8BFA662B84}"/>
+                <a16:creationId xmlns:a16="http://schemas.microsoft.com/office/drawing/2014/main" id="{D8BF27A2-CE57-A690-3456-DB334E64200E}"/>
               </a:ext>
             </a:extLst>
           </p:cNvPr>
@@ -2411,7 +2411,7 @@
           <p:cNvPr id="7" name="灯片编号占位符 6">
             <a:extLst>
               <a:ext uri="{FF2B5EF4-FFF2-40B4-BE49-F238E27FC236}">
-                <a16:creationId xmlns:a16="http://schemas.microsoft.com/office/drawing/2014/main" id="{456D8C21-BAE7-B7F9-A4A7-02282108B265}"/>
+                <a16:creationId xmlns:a16="http://schemas.microsoft.com/office/drawing/2014/main" id="{8CEA1E6E-EC30-924A-64DF-4A50C06A30FD}"/>
               </a:ext>
             </a:extLst>
           </p:cNvPr>
@@ -2427,7 +2427,7 @@
           <a:bodyPr/>
           <a:lstStyle/>
           <a:p>
-            <a:fld id="{65E59675-A991-43A4-9065-568262B2805F}" type="slidenum">
+            <a:fld id="{0FDFD4E4-65B6-4883-A827-9022224CF296}" type="slidenum">
               <a:rPr lang="zh-CN" altLang="en-US" smtClean="0"/>
               <a:t>‹#›</a:t>
             </a:fld>
@@ -2438,7 +2438,7 @@
     </p:spTree>
     <p:extLst>
       <p:ext uri="{BB962C8B-B14F-4D97-AF65-F5344CB8AC3E}">
-        <p14:creationId xmlns:p14="http://schemas.microsoft.com/office/powerpoint/2010/main" val="1904348670"/>
+        <p14:creationId xmlns:p14="http://schemas.microsoft.com/office/powerpoint/2010/main" val="905325189"/>
       </p:ext>
     </p:extLst>
   </p:cSld>
@@ -2470,7 +2470,7 @@
           <p:cNvPr id="2" name="标题 1">
             <a:extLst>
               <a:ext uri="{FF2B5EF4-FFF2-40B4-BE49-F238E27FC236}">
-                <a16:creationId xmlns:a16="http://schemas.microsoft.com/office/drawing/2014/main" id="{6FEAF0C1-4E3C-09EE-1F24-147CD5EED274}"/>
+                <a16:creationId xmlns:a16="http://schemas.microsoft.com/office/drawing/2014/main" id="{DEEA57F5-30D2-A76D-1DCD-6B585ECEF1D7}"/>
               </a:ext>
             </a:extLst>
           </p:cNvPr>
@@ -2507,7 +2507,7 @@
           <p:cNvPr id="3" name="图片占位符 2">
             <a:extLst>
               <a:ext uri="{FF2B5EF4-FFF2-40B4-BE49-F238E27FC236}">
-                <a16:creationId xmlns:a16="http://schemas.microsoft.com/office/drawing/2014/main" id="{20C552D9-5A0D-7E62-E8ED-C5A753A296E3}"/>
+                <a16:creationId xmlns:a16="http://schemas.microsoft.com/office/drawing/2014/main" id="{7B10D344-8219-CF2C-4EA2-C410F4D59E22}"/>
               </a:ext>
             </a:extLst>
           </p:cNvPr>
@@ -2574,7 +2574,7 @@
           <p:cNvPr id="4" name="文本占位符 3">
             <a:extLst>
               <a:ext uri="{FF2B5EF4-FFF2-40B4-BE49-F238E27FC236}">
-                <a16:creationId xmlns:a16="http://schemas.microsoft.com/office/drawing/2014/main" id="{E607C1C1-6F74-0259-440B-E1B589EAE6CA}"/>
+                <a16:creationId xmlns:a16="http://schemas.microsoft.com/office/drawing/2014/main" id="{C3C15687-4F90-1F6B-E15E-E8DBAF44D8BF}"/>
               </a:ext>
             </a:extLst>
           </p:cNvPr>
@@ -2645,7 +2645,7 @@
           <p:cNvPr id="5" name="日期占位符 4">
             <a:extLst>
               <a:ext uri="{FF2B5EF4-FFF2-40B4-BE49-F238E27FC236}">
-                <a16:creationId xmlns:a16="http://schemas.microsoft.com/office/drawing/2014/main" id="{DF33DF64-940C-FCE6-1CA0-3FA088E81180}"/>
+                <a16:creationId xmlns:a16="http://schemas.microsoft.com/office/drawing/2014/main" id="{AC0BB9BB-7133-E2C6-7B6B-32B0213D3707}"/>
               </a:ext>
             </a:extLst>
           </p:cNvPr>
@@ -2661,7 +2661,7 @@
           <a:bodyPr/>
           <a:lstStyle/>
           <a:p>
-            <a:fld id="{6FF9F37E-43F0-4407-AAA3-6EB70277161E}" type="datetimeFigureOut">
+            <a:fld id="{A8351FD5-9939-4205-995E-CB6DC05E3855}" type="datetimeFigureOut">
               <a:rPr lang="zh-CN" altLang="en-US" smtClean="0"/>
               <a:t>2024/3/10</a:t>
             </a:fld>
@@ -2674,7 +2674,7 @@
           <p:cNvPr id="6" name="页脚占位符 5">
             <a:extLst>
               <a:ext uri="{FF2B5EF4-FFF2-40B4-BE49-F238E27FC236}">
-                <a16:creationId xmlns:a16="http://schemas.microsoft.com/office/drawing/2014/main" id="{36165C7E-8BA8-F3E1-49C0-0593435233B6}"/>
+                <a16:creationId xmlns:a16="http://schemas.microsoft.com/office/drawing/2014/main" id="{41E8DB62-340D-7AE4-2677-AB99BF0997DF}"/>
               </a:ext>
             </a:extLst>
           </p:cNvPr>
@@ -2699,7 +2699,7 @@
           <p:cNvPr id="7" name="灯片编号占位符 6">
             <a:extLst>
               <a:ext uri="{FF2B5EF4-FFF2-40B4-BE49-F238E27FC236}">
-                <a16:creationId xmlns:a16="http://schemas.microsoft.com/office/drawing/2014/main" id="{3B8EB860-7D02-79B7-EA8B-D9E261A59DB6}"/>
+                <a16:creationId xmlns:a16="http://schemas.microsoft.com/office/drawing/2014/main" id="{266F9BC1-C88F-6CCA-9115-27AEC2239E1E}"/>
               </a:ext>
             </a:extLst>
           </p:cNvPr>
@@ -2715,7 +2715,7 @@
           <a:bodyPr/>
           <a:lstStyle/>
           <a:p>
-            <a:fld id="{65E59675-A991-43A4-9065-568262B2805F}" type="slidenum">
+            <a:fld id="{0FDFD4E4-65B6-4883-A827-9022224CF296}" type="slidenum">
               <a:rPr lang="zh-CN" altLang="en-US" smtClean="0"/>
               <a:t>‹#›</a:t>
             </a:fld>
@@ -2726,7 +2726,7 @@
     </p:spTree>
     <p:extLst>
       <p:ext uri="{BB962C8B-B14F-4D97-AF65-F5344CB8AC3E}">
-        <p14:creationId xmlns:p14="http://schemas.microsoft.com/office/powerpoint/2010/main" val="614576409"/>
+        <p14:creationId xmlns:p14="http://schemas.microsoft.com/office/powerpoint/2010/main" val="1344673603"/>
       </p:ext>
     </p:extLst>
   </p:cSld>
@@ -2763,7 +2763,7 @@
           <p:cNvPr id="2" name="标题占位符 1">
             <a:extLst>
               <a:ext uri="{FF2B5EF4-FFF2-40B4-BE49-F238E27FC236}">
-                <a16:creationId xmlns:a16="http://schemas.microsoft.com/office/drawing/2014/main" id="{D7131F98-9E3F-AA2E-A593-45FAE5ECB2E2}"/>
+                <a16:creationId xmlns:a16="http://schemas.microsoft.com/office/drawing/2014/main" id="{C367678D-4138-E44C-DE75-BD21CB293335}"/>
               </a:ext>
             </a:extLst>
           </p:cNvPr>
@@ -2801,7 +2801,7 @@
           <p:cNvPr id="3" name="文本占位符 2">
             <a:extLst>
               <a:ext uri="{FF2B5EF4-FFF2-40B4-BE49-F238E27FC236}">
-                <a16:creationId xmlns:a16="http://schemas.microsoft.com/office/drawing/2014/main" id="{E669C728-0BC3-4F57-CFE3-BBFD1204EEDF}"/>
+                <a16:creationId xmlns:a16="http://schemas.microsoft.com/office/drawing/2014/main" id="{BE44F6A9-3130-834E-86F6-98FCEDC6690F}"/>
               </a:ext>
             </a:extLst>
           </p:cNvPr>
@@ -2868,7 +2868,7 @@
           <p:cNvPr id="4" name="日期占位符 3">
             <a:extLst>
               <a:ext uri="{FF2B5EF4-FFF2-40B4-BE49-F238E27FC236}">
-                <a16:creationId xmlns:a16="http://schemas.microsoft.com/office/drawing/2014/main" id="{799A6164-4857-13F6-F4F2-932D814E6B74}"/>
+                <a16:creationId xmlns:a16="http://schemas.microsoft.com/office/drawing/2014/main" id="{74EB6369-C7F1-D935-A3B0-09569DCCD8B0}"/>
               </a:ext>
             </a:extLst>
           </p:cNvPr>
@@ -2902,7 +2902,7 @@
             </a:lvl1pPr>
           </a:lstStyle>
           <a:p>
-            <a:fld id="{6FF9F37E-43F0-4407-AAA3-6EB70277161E}" type="datetimeFigureOut">
+            <a:fld id="{A8351FD5-9939-4205-995E-CB6DC05E3855}" type="datetimeFigureOut">
               <a:rPr lang="zh-CN" altLang="en-US" smtClean="0"/>
               <a:t>2024/3/10</a:t>
             </a:fld>
@@ -2915,7 +2915,7 @@
           <p:cNvPr id="5" name="页脚占位符 4">
             <a:extLst>
               <a:ext uri="{FF2B5EF4-FFF2-40B4-BE49-F238E27FC236}">
-                <a16:creationId xmlns:a16="http://schemas.microsoft.com/office/drawing/2014/main" id="{4E99A9E4-CC0D-A08C-81E8-23C50BD37379}"/>
+                <a16:creationId xmlns:a16="http://schemas.microsoft.com/office/drawing/2014/main" id="{ECA65CBF-C2E7-3D7A-E099-6F14CB514A75}"/>
               </a:ext>
             </a:extLst>
           </p:cNvPr>
@@ -2958,7 +2958,7 @@
           <p:cNvPr id="6" name="灯片编号占位符 5">
             <a:extLst>
               <a:ext uri="{FF2B5EF4-FFF2-40B4-BE49-F238E27FC236}">
-                <a16:creationId xmlns:a16="http://schemas.microsoft.com/office/drawing/2014/main" id="{DBE48B87-91D3-6F87-37B1-A80BCF8A2E2E}"/>
+                <a16:creationId xmlns:a16="http://schemas.microsoft.com/office/drawing/2014/main" id="{E8F1CD8D-FADE-9CA3-1887-94CEA9CA42AB}"/>
               </a:ext>
             </a:extLst>
           </p:cNvPr>
@@ -2992,7 +2992,7 @@
             </a:lvl1pPr>
           </a:lstStyle>
           <a:p>
-            <a:fld id="{65E59675-A991-43A4-9065-568262B2805F}" type="slidenum">
+            <a:fld id="{0FDFD4E4-65B6-4883-A827-9022224CF296}" type="slidenum">
               <a:rPr lang="zh-CN" altLang="en-US" smtClean="0"/>
               <a:t>‹#›</a:t>
             </a:fld>
@@ -3003,7 +3003,7 @@
     </p:spTree>
     <p:extLst>
       <p:ext uri="{BB962C8B-B14F-4D97-AF65-F5344CB8AC3E}">
-        <p14:creationId xmlns:p14="http://schemas.microsoft.com/office/powerpoint/2010/main" val="505303558"/>
+        <p14:creationId xmlns:p14="http://schemas.microsoft.com/office/powerpoint/2010/main" val="883660995"/>
       </p:ext>
     </p:extLst>
   </p:cSld>
@@ -3323,7 +3323,7 @@
       </p:grpSpPr>
       <p:pic>
         <p:nvPicPr>
-          <p:cNvPr id="1130498" name="Picture 2" descr="1103"/>
+          <p:cNvPr id="1131522" name="Picture 2" descr="1104"/>
           <p:cNvPicPr>
             <a:picLocks noChangeAspect="1" noChangeArrowheads="1"/>
           </p:cNvPicPr>
@@ -3344,8 +3344,8 @@
         </p:blipFill>
         <p:spPr bwMode="auto">
           <a:xfrm>
-            <a:off x="1524000" y="0"/>
-            <a:ext cx="9144000" cy="6858000"/>
+            <a:off x="1527176" y="3175"/>
+            <a:ext cx="9140825" cy="6523038"/>
           </a:xfrm>
           <a:prstGeom prst="rect">
             <a:avLst/>
